--- a/doc/images/AMultilayerArchitectureApproach.pptx
+++ b/doc/images/AMultilayerArchitectureApproach.pptx
@@ -104,6 +104,11 @@
       </a:defRPr>
     </a:lvl9pPr>
   </p:defaultTextStyle>
+  <p:extLst>
+    <p:ext uri="{EFAFB233-063F-42B5-8137-9DF3F51BA10A}">
+      <p15:sldGuideLst xmlns:p15="http://schemas.microsoft.com/office/powerpoint/2012/main"/>
+    </p:ext>
+  </p:extLst>
 </p:presentation>
 </file>
 
@@ -254,7 +259,7 @@
           <a:p>
             <a:fld id="{34050496-71B7-4A7D-B7F7-CF353B71F084}" type="datetimeFigureOut">
               <a:rPr lang="en-US" smtClean="0"/>
-              <a:t>12/30/2023</a:t>
+              <a:t>1/6/2024</a:t>
             </a:fld>
             <a:endParaRPr lang="en-US"/>
           </a:p>
@@ -452,7 +457,7 @@
           <a:p>
             <a:fld id="{34050496-71B7-4A7D-B7F7-CF353B71F084}" type="datetimeFigureOut">
               <a:rPr lang="en-US" smtClean="0"/>
-              <a:t>12/30/2023</a:t>
+              <a:t>1/6/2024</a:t>
             </a:fld>
             <a:endParaRPr lang="en-US"/>
           </a:p>
@@ -660,7 +665,7 @@
           <a:p>
             <a:fld id="{34050496-71B7-4A7D-B7F7-CF353B71F084}" type="datetimeFigureOut">
               <a:rPr lang="en-US" smtClean="0"/>
-              <a:t>12/30/2023</a:t>
+              <a:t>1/6/2024</a:t>
             </a:fld>
             <a:endParaRPr lang="en-US"/>
           </a:p>
@@ -858,7 +863,7 @@
           <a:p>
             <a:fld id="{34050496-71B7-4A7D-B7F7-CF353B71F084}" type="datetimeFigureOut">
               <a:rPr lang="en-US" smtClean="0"/>
-              <a:t>12/30/2023</a:t>
+              <a:t>1/6/2024</a:t>
             </a:fld>
             <a:endParaRPr lang="en-US"/>
           </a:p>
@@ -1133,7 +1138,7 @@
           <a:p>
             <a:fld id="{34050496-71B7-4A7D-B7F7-CF353B71F084}" type="datetimeFigureOut">
               <a:rPr lang="en-US" smtClean="0"/>
-              <a:t>12/30/2023</a:t>
+              <a:t>1/6/2024</a:t>
             </a:fld>
             <a:endParaRPr lang="en-US"/>
           </a:p>
@@ -1398,7 +1403,7 @@
           <a:p>
             <a:fld id="{34050496-71B7-4A7D-B7F7-CF353B71F084}" type="datetimeFigureOut">
               <a:rPr lang="en-US" smtClean="0"/>
-              <a:t>12/30/2023</a:t>
+              <a:t>1/6/2024</a:t>
             </a:fld>
             <a:endParaRPr lang="en-US"/>
           </a:p>
@@ -1810,7 +1815,7 @@
           <a:p>
             <a:fld id="{34050496-71B7-4A7D-B7F7-CF353B71F084}" type="datetimeFigureOut">
               <a:rPr lang="en-US" smtClean="0"/>
-              <a:t>12/30/2023</a:t>
+              <a:t>1/6/2024</a:t>
             </a:fld>
             <a:endParaRPr lang="en-US"/>
           </a:p>
@@ -1951,7 +1956,7 @@
           <a:p>
             <a:fld id="{34050496-71B7-4A7D-B7F7-CF353B71F084}" type="datetimeFigureOut">
               <a:rPr lang="en-US" smtClean="0"/>
-              <a:t>12/30/2023</a:t>
+              <a:t>1/6/2024</a:t>
             </a:fld>
             <a:endParaRPr lang="en-US"/>
           </a:p>
@@ -2064,7 +2069,7 @@
           <a:p>
             <a:fld id="{34050496-71B7-4A7D-B7F7-CF353B71F084}" type="datetimeFigureOut">
               <a:rPr lang="en-US" smtClean="0"/>
-              <a:t>12/30/2023</a:t>
+              <a:t>1/6/2024</a:t>
             </a:fld>
             <a:endParaRPr lang="en-US"/>
           </a:p>
@@ -2375,7 +2380,7 @@
           <a:p>
             <a:fld id="{34050496-71B7-4A7D-B7F7-CF353B71F084}" type="datetimeFigureOut">
               <a:rPr lang="en-US" smtClean="0"/>
-              <a:t>12/30/2023</a:t>
+              <a:t>1/6/2024</a:t>
             </a:fld>
             <a:endParaRPr lang="en-US"/>
           </a:p>
@@ -2663,7 +2668,7 @@
           <a:p>
             <a:fld id="{34050496-71B7-4A7D-B7F7-CF353B71F084}" type="datetimeFigureOut">
               <a:rPr lang="en-US" smtClean="0"/>
-              <a:t>12/30/2023</a:t>
+              <a:t>1/6/2024</a:t>
             </a:fld>
             <a:endParaRPr lang="en-US"/>
           </a:p>
@@ -2904,7 +2909,7 @@
           <a:p>
             <a:fld id="{34050496-71B7-4A7D-B7F7-CF353B71F084}" type="datetimeFigureOut">
               <a:rPr lang="en-US" smtClean="0"/>
-              <a:t>12/30/2023</a:t>
+              <a:t>1/6/2024</a:t>
             </a:fld>
             <a:endParaRPr lang="en-US"/>
           </a:p>
@@ -4120,6 +4125,41 @@
           </a:fontRef>
         </p:style>
       </p:cxnSp>
+      <p:sp>
+        <p:nvSpPr>
+          <p:cNvPr id="2" name="TextBox 1">
+            <a:extLst>
+              <a:ext uri="{FF2B5EF4-FFF2-40B4-BE49-F238E27FC236}">
+                <a16:creationId xmlns:a16="http://schemas.microsoft.com/office/drawing/2014/main" id="{BEF05D63-DD0C-F7D6-717A-BD0EFB95AB34}"/>
+              </a:ext>
+            </a:extLst>
+          </p:cNvPr>
+          <p:cNvSpPr txBox="1"/>
+          <p:nvPr/>
+        </p:nvSpPr>
+        <p:spPr>
+          <a:xfrm>
+            <a:off x="6484776" y="6009274"/>
+            <a:ext cx="1350541" cy="369332"/>
+          </a:xfrm>
+          <a:prstGeom prst="rect">
+            <a:avLst/>
+          </a:prstGeom>
+          <a:noFill/>
+        </p:spPr>
+        <p:txBody>
+          <a:bodyPr wrap="square" rtlCol="0">
+            <a:spAutoFit/>
+          </a:bodyPr>
+          <a:lstStyle/>
+          <a:p>
+            <a:r>
+              <a:rPr lang="tr-TR" dirty="0"/>
+              <a:t>Database</a:t>
+            </a:r>
+          </a:p>
+        </p:txBody>
+      </p:sp>
     </p:spTree>
     <p:extLst>
       <p:ext uri="{BB962C8B-B14F-4D97-AF65-F5344CB8AC3E}">
